--- a/Review 1 PPT.pptx
+++ b/Review 1 PPT.pptx
@@ -5,7 +5,7 @@
     <p:sldMasterId id="2147484230" r:id="rId1"/>
   </p:sldMasterIdLst>
   <p:notesMasterIdLst>
-    <p:notesMasterId r:id="rId23"/>
+    <p:notesMasterId r:id="rId24"/>
   </p:notesMasterIdLst>
   <p:sldIdLst>
     <p:sldId id="499" r:id="rId2"/>
@@ -24,11 +24,12 @@
     <p:sldId id="488" r:id="rId15"/>
     <p:sldId id="489" r:id="rId16"/>
     <p:sldId id="497" r:id="rId17"/>
-    <p:sldId id="498" r:id="rId18"/>
-    <p:sldId id="502" r:id="rId19"/>
-    <p:sldId id="503" r:id="rId20"/>
-    <p:sldId id="473" r:id="rId21"/>
-    <p:sldId id="468" r:id="rId22"/>
+    <p:sldId id="504" r:id="rId18"/>
+    <p:sldId id="498" r:id="rId19"/>
+    <p:sldId id="502" r:id="rId20"/>
+    <p:sldId id="503" r:id="rId21"/>
+    <p:sldId id="473" r:id="rId22"/>
+    <p:sldId id="468" r:id="rId23"/>
   </p:sldIdLst>
   <p:sldSz cx="12192000" cy="6858000"/>
   <p:notesSz cx="6954838" cy="9309100"/>
@@ -14040,7 +14041,7 @@
               <a:rPr lang="en-IN" sz="2000" dirty="0">
                 <a:latin typeface="Cambria" panose="02040503050406030204" pitchFamily="18" charset="0"/>
               </a:rPr>
-              <a:t>Does not explore real-time interactive visualization or aerospace-specific challenges.</a:t>
+              <a:t>Does not explore interactive visualization or aerospace-specific challenges.</a:t>
             </a:r>
           </a:p>
           <a:p>
@@ -14339,7 +14340,7 @@
               <a:rPr lang="en-IN" sz="2000" dirty="0">
                 <a:latin typeface="Cambria" panose="02040503050406030204" pitchFamily="18" charset="0"/>
               </a:rPr>
-              <a:t>Does not include real-time interactive analysis or adaptive AI-driven insights.</a:t>
+              <a:t>Does not include interactive analysis or adaptive AI-driven insights.</a:t>
             </a:r>
           </a:p>
           <a:p>
@@ -14418,7 +14419,7 @@
               <a:rPr lang="en-IN" sz="2000" dirty="0">
                 <a:latin typeface="Cambria" panose="02040503050406030204" pitchFamily="18" charset="0"/>
               </a:rPr>
-              <a:t>Lacks flexibility for user-defined analysis and real-time visualizations.</a:t>
+              <a:t>Lacks flexibility for user-defined analysis and visualizations.</a:t>
             </a:r>
           </a:p>
         </p:txBody>
@@ -15558,6 +15559,161 @@
   <p:cSld>
     <p:spTree>
       <p:nvGrpSpPr>
+        <p:cNvPr id="1" name="">
+          <a:extLst>
+            <a:ext uri="{FF2B5EF4-FFF2-40B4-BE49-F238E27FC236}">
+              <a16:creationId xmlns:a16="http://schemas.microsoft.com/office/drawing/2014/main" id="{469284D5-B522-0F54-7470-B18D089F0817}"/>
+            </a:ext>
+          </a:extLst>
+        </p:cNvPr>
+        <p:cNvGrpSpPr/>
+        <p:nvPr/>
+      </p:nvGrpSpPr>
+      <p:grpSpPr>
+        <a:xfrm>
+          <a:off x="0" y="0"/>
+          <a:ext cx="0" cy="0"/>
+          <a:chOff x="0" y="0"/>
+          <a:chExt cx="0" cy="0"/>
+        </a:xfrm>
+      </p:grpSpPr>
+      <p:sp>
+        <p:nvSpPr>
+          <p:cNvPr id="2" name="Title 1">
+            <a:extLst>
+              <a:ext uri="{FF2B5EF4-FFF2-40B4-BE49-F238E27FC236}">
+                <a16:creationId xmlns:a16="http://schemas.microsoft.com/office/drawing/2014/main" id="{6D449B7F-C6DE-1C9A-C91E-7696B627A6A4}"/>
+              </a:ext>
+            </a:extLst>
+          </p:cNvPr>
+          <p:cNvSpPr>
+            <a:spLocks noGrp="1"/>
+          </p:cNvSpPr>
+          <p:nvPr>
+            <p:ph type="title"/>
+          </p:nvPr>
+        </p:nvSpPr>
+        <p:spPr>
+          <a:xfrm>
+            <a:off x="838200" y="365125"/>
+            <a:ext cx="10515600" cy="596311"/>
+          </a:xfrm>
+        </p:spPr>
+        <p:txBody>
+          <a:bodyPr/>
+          <a:lstStyle/>
+          <a:p>
+            <a:r>
+              <a:rPr lang="en-US" sz="3200" b="1" dirty="0">
+                <a:solidFill>
+                  <a:srgbClr val="0070C0"/>
+                </a:solidFill>
+                <a:latin typeface="Cambria" panose="02040503050406030204" pitchFamily="18" charset="0"/>
+                <a:cs typeface="Times New Roman" panose="02020603050405020304" pitchFamily="18" charset="0"/>
+              </a:rPr>
+              <a:t>Internship Road Map: Gantt Chart</a:t>
+            </a:r>
+          </a:p>
+        </p:txBody>
+      </p:sp>
+      <p:sp>
+        <p:nvSpPr>
+          <p:cNvPr id="4" name="Slide Number Placeholder 3">
+            <a:extLst>
+              <a:ext uri="{FF2B5EF4-FFF2-40B4-BE49-F238E27FC236}">
+                <a16:creationId xmlns:a16="http://schemas.microsoft.com/office/drawing/2014/main" id="{7C31B96F-F309-43A2-4A0F-166CD85CD230}"/>
+              </a:ext>
+            </a:extLst>
+          </p:cNvPr>
+          <p:cNvSpPr>
+            <a:spLocks noGrp="1"/>
+          </p:cNvSpPr>
+          <p:nvPr>
+            <p:ph type="sldNum" sz="quarter" idx="12"/>
+          </p:nvPr>
+        </p:nvSpPr>
+        <p:spPr/>
+        <p:txBody>
+          <a:bodyPr/>
+          <a:lstStyle/>
+          <a:p>
+            <a:pPr>
+              <a:defRPr/>
+            </a:pPr>
+            <a:fld id="{815EC703-C051-410C-8BA1-62752E291E83}" type="slidenum">
+              <a:rPr lang="en-US" altLang="en-US" smtClean="0"/>
+              <a:pPr>
+                <a:defRPr/>
+              </a:pPr>
+              <a:t>17</a:t>
+            </a:fld>
+            <a:endParaRPr lang="en-US" altLang="en-US"/>
+          </a:p>
+        </p:txBody>
+      </p:sp>
+      <p:pic>
+        <p:nvPicPr>
+          <p:cNvPr id="7" name="Content Placeholder 6">
+            <a:extLst>
+              <a:ext uri="{FF2B5EF4-FFF2-40B4-BE49-F238E27FC236}">
+                <a16:creationId xmlns:a16="http://schemas.microsoft.com/office/drawing/2014/main" id="{FE8BBFFE-2C5D-EFB6-73FC-021AE9CB6CCA}"/>
+              </a:ext>
+            </a:extLst>
+          </p:cNvPr>
+          <p:cNvPicPr>
+            <a:picLocks noGrp="1" noChangeAspect="1"/>
+          </p:cNvPicPr>
+          <p:nvPr>
+            <p:ph idx="1"/>
+          </p:nvPr>
+        </p:nvPicPr>
+        <p:blipFill>
+          <a:blip r:embed="rId2">
+            <a:extLst>
+              <a:ext uri="{28A0092B-C50C-407E-A947-70E740481C1C}">
+                <a14:useLocalDpi xmlns:a14="http://schemas.microsoft.com/office/drawing/2010/main" val="0"/>
+              </a:ext>
+            </a:extLst>
+          </a:blip>
+          <a:stretch>
+            <a:fillRect/>
+          </a:stretch>
+        </p:blipFill>
+        <p:spPr>
+          <a:xfrm>
+            <a:off x="2226326" y="919871"/>
+            <a:ext cx="7572306" cy="5760039"/>
+          </a:xfrm>
+          <a:effectLst>
+            <a:outerShdw blurRad="63500" sx="102000" sy="102000" algn="ctr" rotWithShape="0">
+              <a:prstClr val="black">
+                <a:alpha val="40000"/>
+              </a:prstClr>
+            </a:outerShdw>
+          </a:effectLst>
+        </p:spPr>
+      </p:pic>
+    </p:spTree>
+    <p:extLst>
+      <p:ext uri="{BB962C8B-B14F-4D97-AF65-F5344CB8AC3E}">
+        <p14:creationId xmlns:p14="http://schemas.microsoft.com/office/powerpoint/2010/main" val="930946866"/>
+      </p:ext>
+    </p:extLst>
+  </p:cSld>
+  <p:clrMapOvr>
+    <a:masterClrMapping/>
+  </p:clrMapOvr>
+  <p:transition spd="slow">
+    <p:blinds dir="vert"/>
+  </p:transition>
+</p:sld>
+</file>
+
+<file path=ppt/slides/slide18.xml><?xml version="1.0" encoding="utf-8"?>
+<p:sld xmlns:a="http://schemas.openxmlformats.org/drawingml/2006/main" xmlns:r="http://schemas.openxmlformats.org/officeDocument/2006/relationships" xmlns:p="http://schemas.openxmlformats.org/presentationml/2006/main">
+  <p:cSld>
+    <p:spTree>
+      <p:nvGrpSpPr>
         <p:cNvPr id="1" name=""/>
         <p:cNvGrpSpPr/>
         <p:nvPr/>
@@ -15626,7 +15782,7 @@
               <a:pPr>
                 <a:defRPr/>
               </a:pPr>
-              <a:t>17</a:t>
+              <a:t>18</a:t>
             </a:fld>
             <a:endParaRPr lang="en-US" altLang="en-US"/>
           </a:p>
@@ -15719,7 +15875,7 @@
 </p:sld>
 </file>
 
-<file path=ppt/slides/slide18.xml><?xml version="1.0" encoding="utf-8"?>
+<file path=ppt/slides/slide19.xml><?xml version="1.0" encoding="utf-8"?>
 <p:sld xmlns:a="http://schemas.openxmlformats.org/drawingml/2006/main" xmlns:r="http://schemas.openxmlformats.org/officeDocument/2006/relationships" xmlns:p="http://schemas.openxmlformats.org/presentationml/2006/main">
   <p:cSld>
     <p:spTree>
@@ -16145,7 +16301,7 @@
               <a:pPr>
                 <a:defRPr/>
               </a:pPr>
-              <a:t>18</a:t>
+              <a:t>19</a:t>
             </a:fld>
             <a:endParaRPr lang="en-US" altLang="en-US"/>
           </a:p>
@@ -16167,7 +16323,452 @@
 </p:sld>
 </file>
 
-<file path=ppt/slides/slide19.xml><?xml version="1.0" encoding="utf-8"?>
+<file path=ppt/slides/slide2.xml><?xml version="1.0" encoding="utf-8"?>
+<p:sld xmlns:a="http://schemas.openxmlformats.org/drawingml/2006/main" xmlns:r="http://schemas.openxmlformats.org/officeDocument/2006/relationships" xmlns:p="http://schemas.openxmlformats.org/presentationml/2006/main">
+  <p:cSld>
+    <p:spTree>
+      <p:nvGrpSpPr>
+        <p:cNvPr id="1" name="Shape 95"/>
+        <p:cNvGrpSpPr/>
+        <p:nvPr/>
+      </p:nvGrpSpPr>
+      <p:grpSpPr>
+        <a:xfrm>
+          <a:off x="0" y="0"/>
+          <a:ext cx="0" cy="0"/>
+          <a:chOff x="0" y="0"/>
+          <a:chExt cx="0" cy="0"/>
+        </a:xfrm>
+      </p:grpSpPr>
+      <p:sp>
+        <p:nvSpPr>
+          <p:cNvPr id="96" name="Google Shape;96;p14"/>
+          <p:cNvSpPr txBox="1">
+            <a:spLocks noGrp="1"/>
+          </p:cNvSpPr>
+          <p:nvPr>
+            <p:ph type="title"/>
+          </p:nvPr>
+        </p:nvSpPr>
+        <p:spPr>
+          <a:xfrm>
+            <a:off x="812800" y="274638"/>
+            <a:ext cx="10668000" cy="487500"/>
+          </a:xfrm>
+          <a:prstGeom prst="rect">
+            <a:avLst/>
+          </a:prstGeom>
+          <a:noFill/>
+          <a:ln>
+            <a:noFill/>
+          </a:ln>
+        </p:spPr>
+        <p:txBody>
+          <a:bodyPr spcFirstLastPara="1" wrap="square" lIns="91425" tIns="45700" rIns="91425" bIns="45700" anchor="ctr" anchorCtr="0">
+            <a:noAutofit/>
+          </a:bodyPr>
+          <a:lstStyle/>
+          <a:p>
+            <a:pPr marL="0" lvl="0" indent="0" algn="l" rtl="0">
+              <a:spcBef>
+                <a:spcPts val="0"/>
+              </a:spcBef>
+              <a:spcAft>
+                <a:spcPts val="0"/>
+              </a:spcAft>
+              <a:buClr>
+                <a:srgbClr val="17365D"/>
+              </a:buClr>
+              <a:buSzPts val="2800"/>
+              <a:buFont typeface="Verdana"/>
+              <a:buNone/>
+            </a:pPr>
+            <a:r>
+              <a:rPr lang="en-GB" dirty="0">
+                <a:latin typeface="Cambria" panose="02040503050406030204" pitchFamily="18" charset="0"/>
+                <a:ea typeface="Cambria" panose="02040503050406030204" pitchFamily="18" charset="0"/>
+              </a:rPr>
+              <a:t>Content</a:t>
+            </a:r>
+            <a:endParaRPr dirty="0">
+              <a:latin typeface="Cambria" panose="02040503050406030204" pitchFamily="18" charset="0"/>
+              <a:ea typeface="Cambria" panose="02040503050406030204" pitchFamily="18" charset="0"/>
+            </a:endParaRPr>
+          </a:p>
+        </p:txBody>
+      </p:sp>
+      <p:sp>
+        <p:nvSpPr>
+          <p:cNvPr id="97" name="Google Shape;97;p14"/>
+          <p:cNvSpPr txBox="1">
+            <a:spLocks noGrp="1"/>
+          </p:cNvSpPr>
+          <p:nvPr>
+            <p:ph type="body" idx="1"/>
+          </p:nvPr>
+        </p:nvSpPr>
+        <p:spPr>
+          <a:xfrm>
+            <a:off x="704516" y="902370"/>
+            <a:ext cx="10668000" cy="4271209"/>
+          </a:xfrm>
+          <a:prstGeom prst="rect">
+            <a:avLst/>
+          </a:prstGeom>
+          <a:noFill/>
+          <a:ln>
+            <a:noFill/>
+          </a:ln>
+        </p:spPr>
+        <p:txBody>
+          <a:bodyPr spcFirstLastPara="1" wrap="square" lIns="91425" tIns="45700" rIns="91425" bIns="45700" anchor="t" anchorCtr="0">
+            <a:noAutofit/>
+          </a:bodyPr>
+          <a:lstStyle/>
+          <a:p>
+            <a:pPr marL="495300" indent="-342900" algn="just">
+              <a:lnSpc>
+                <a:spcPct val="100000"/>
+              </a:lnSpc>
+              <a:spcBef>
+                <a:spcPts val="0"/>
+              </a:spcBef>
+              <a:buFont typeface="Wingdings" panose="05000000000000000000" pitchFamily="2" charset="2"/>
+              <a:buChar char="Ø"/>
+            </a:pPr>
+            <a:r>
+              <a:rPr lang="en-US" sz="2000" b="1" dirty="0">
+                <a:solidFill>
+                  <a:srgbClr val="0070C0"/>
+                </a:solidFill>
+                <a:latin typeface="Times New Roman" panose="02020603050405020304" pitchFamily="18" charset="0"/>
+                <a:cs typeface="Times New Roman" panose="02020603050405020304" pitchFamily="18" charset="0"/>
+              </a:rPr>
+              <a:t>About Company or Organization</a:t>
+            </a:r>
+          </a:p>
+          <a:p>
+            <a:pPr marL="495300" indent="-342900" algn="just">
+              <a:lnSpc>
+                <a:spcPct val="100000"/>
+              </a:lnSpc>
+              <a:spcBef>
+                <a:spcPts val="0"/>
+              </a:spcBef>
+              <a:buFont typeface="Wingdings" panose="05000000000000000000" pitchFamily="2" charset="2"/>
+              <a:buChar char="Ø"/>
+            </a:pPr>
+            <a:r>
+              <a:rPr lang="en-IN" sz="2000" b="1" dirty="0">
+                <a:solidFill>
+                  <a:schemeClr val="accent1">
+                    <a:lumMod val="75000"/>
+                  </a:schemeClr>
+                </a:solidFill>
+                <a:latin typeface="Times New Roman" panose="02020603050405020304" pitchFamily="18" charset="0"/>
+                <a:cs typeface="Times New Roman" panose="02020603050405020304" pitchFamily="18" charset="0"/>
+              </a:rPr>
+              <a:t>Working domain or the technology</a:t>
+            </a:r>
+            <a:endParaRPr lang="en-US" sz="2000" dirty="0">
+              <a:latin typeface="Cambria" panose="02040503050406030204" pitchFamily="18" charset="0"/>
+              <a:ea typeface="Cambria" panose="02040503050406030204" pitchFamily="18" charset="0"/>
+            </a:endParaRPr>
+          </a:p>
+          <a:p>
+            <a:pPr marL="495300" indent="-342900" algn="just">
+              <a:lnSpc>
+                <a:spcPct val="100000"/>
+              </a:lnSpc>
+              <a:spcBef>
+                <a:spcPts val="0"/>
+              </a:spcBef>
+              <a:buFont typeface="Wingdings" panose="05000000000000000000" pitchFamily="2" charset="2"/>
+              <a:buChar char="Ø"/>
+            </a:pPr>
+            <a:r>
+              <a:rPr lang="en-IN" sz="2000" b="1" dirty="0">
+                <a:solidFill>
+                  <a:schemeClr val="accent1">
+                    <a:lumMod val="75000"/>
+                  </a:schemeClr>
+                </a:solidFill>
+                <a:latin typeface="Times New Roman" panose="02020603050405020304" pitchFamily="18" charset="0"/>
+                <a:cs typeface="Times New Roman" panose="02020603050405020304" pitchFamily="18" charset="0"/>
+              </a:rPr>
+              <a:t>About your team and reporting Manager</a:t>
+            </a:r>
+            <a:endParaRPr lang="en-US" sz="2000" dirty="0">
+              <a:latin typeface="Cambria" panose="02040503050406030204" pitchFamily="18" charset="0"/>
+              <a:ea typeface="Cambria" panose="02040503050406030204" pitchFamily="18" charset="0"/>
+            </a:endParaRPr>
+          </a:p>
+          <a:p>
+            <a:pPr marL="495300" indent="-342900" algn="just">
+              <a:lnSpc>
+                <a:spcPct val="100000"/>
+              </a:lnSpc>
+              <a:spcBef>
+                <a:spcPts val="0"/>
+              </a:spcBef>
+              <a:buFont typeface="Wingdings" panose="05000000000000000000" pitchFamily="2" charset="2"/>
+              <a:buChar char="Ø"/>
+            </a:pPr>
+            <a:r>
+              <a:rPr lang="en-IN" sz="2000" b="1" dirty="0">
+                <a:solidFill>
+                  <a:schemeClr val="accent1">
+                    <a:lumMod val="75000"/>
+                  </a:schemeClr>
+                </a:solidFill>
+                <a:latin typeface="Times New Roman" panose="02020603050405020304" pitchFamily="18" charset="0"/>
+                <a:cs typeface="Times New Roman" panose="02020603050405020304" pitchFamily="18" charset="0"/>
+              </a:rPr>
+              <a:t>Challenges Faced in Internship</a:t>
+            </a:r>
+            <a:endParaRPr lang="en-US" sz="2000" dirty="0">
+              <a:latin typeface="Cambria" panose="02040503050406030204" pitchFamily="18" charset="0"/>
+              <a:ea typeface="Cambria" panose="02040503050406030204" pitchFamily="18" charset="0"/>
+            </a:endParaRPr>
+          </a:p>
+          <a:p>
+            <a:pPr marL="495300" indent="-342900" algn="just">
+              <a:lnSpc>
+                <a:spcPct val="100000"/>
+              </a:lnSpc>
+              <a:spcBef>
+                <a:spcPts val="0"/>
+              </a:spcBef>
+              <a:buFont typeface="Wingdings" panose="05000000000000000000" pitchFamily="2" charset="2"/>
+              <a:buChar char="Ø"/>
+            </a:pPr>
+            <a:r>
+              <a:rPr lang="en-IN" sz="2000" b="1" dirty="0">
+                <a:solidFill>
+                  <a:schemeClr val="accent1">
+                    <a:lumMod val="75000"/>
+                  </a:schemeClr>
+                </a:solidFill>
+                <a:latin typeface="Times New Roman" panose="02020603050405020304" pitchFamily="18" charset="0"/>
+                <a:cs typeface="Times New Roman" panose="02020603050405020304" pitchFamily="18" charset="0"/>
+              </a:rPr>
+              <a:t>Objectives of the work</a:t>
+            </a:r>
+          </a:p>
+          <a:p>
+            <a:pPr marL="495300" indent="-342900" algn="just">
+              <a:lnSpc>
+                <a:spcPct val="100000"/>
+              </a:lnSpc>
+              <a:spcBef>
+                <a:spcPts val="0"/>
+              </a:spcBef>
+              <a:buFont typeface="Wingdings" panose="05000000000000000000" pitchFamily="2" charset="2"/>
+              <a:buChar char="Ø"/>
+            </a:pPr>
+            <a:r>
+              <a:rPr lang="en-IN" sz="2000" b="1" dirty="0">
+                <a:solidFill>
+                  <a:schemeClr val="accent1">
+                    <a:lumMod val="75000"/>
+                  </a:schemeClr>
+                </a:solidFill>
+                <a:latin typeface="Times New Roman" panose="02020603050405020304" pitchFamily="18" charset="0"/>
+                <a:cs typeface="Times New Roman" panose="02020603050405020304" pitchFamily="18" charset="0"/>
+              </a:rPr>
+              <a:t>Literature Review</a:t>
+            </a:r>
+          </a:p>
+          <a:p>
+            <a:pPr marL="495300" indent="-342900" algn="just">
+              <a:lnSpc>
+                <a:spcPct val="100000"/>
+              </a:lnSpc>
+              <a:spcBef>
+                <a:spcPts val="0"/>
+              </a:spcBef>
+              <a:buFont typeface="Wingdings" panose="05000000000000000000" pitchFamily="2" charset="2"/>
+              <a:buChar char="Ø"/>
+            </a:pPr>
+            <a:r>
+              <a:rPr lang="en-IN" sz="2000" b="1" dirty="0">
+                <a:solidFill>
+                  <a:schemeClr val="accent1">
+                    <a:lumMod val="75000"/>
+                  </a:schemeClr>
+                </a:solidFill>
+                <a:latin typeface="Times New Roman" panose="02020603050405020304" pitchFamily="18" charset="0"/>
+                <a:cs typeface="Times New Roman" panose="02020603050405020304" pitchFamily="18" charset="0"/>
+              </a:rPr>
+              <a:t>Proposed System</a:t>
+            </a:r>
+          </a:p>
+          <a:p>
+            <a:pPr marL="495300" indent="-342900" algn="just">
+              <a:lnSpc>
+                <a:spcPct val="100000"/>
+              </a:lnSpc>
+              <a:spcBef>
+                <a:spcPts val="0"/>
+              </a:spcBef>
+              <a:buFont typeface="Wingdings" panose="05000000000000000000" pitchFamily="2" charset="2"/>
+              <a:buChar char="Ø"/>
+            </a:pPr>
+            <a:r>
+              <a:rPr lang="en-IN" sz="2000" b="1" dirty="0">
+                <a:solidFill>
+                  <a:schemeClr val="accent1">
+                    <a:lumMod val="75000"/>
+                  </a:schemeClr>
+                </a:solidFill>
+                <a:latin typeface="Times New Roman" panose="02020603050405020304" pitchFamily="18" charset="0"/>
+                <a:cs typeface="Times New Roman" panose="02020603050405020304" pitchFamily="18" charset="0"/>
+              </a:rPr>
+              <a:t>Problem Statement</a:t>
+            </a:r>
+          </a:p>
+          <a:p>
+            <a:pPr marL="495300" indent="-342900" algn="just">
+              <a:lnSpc>
+                <a:spcPct val="100000"/>
+              </a:lnSpc>
+              <a:spcBef>
+                <a:spcPts val="0"/>
+              </a:spcBef>
+              <a:buFont typeface="Wingdings" panose="05000000000000000000" pitchFamily="2" charset="2"/>
+              <a:buChar char="Ø"/>
+            </a:pPr>
+            <a:r>
+              <a:rPr lang="en-IN" sz="2000" b="1" dirty="0">
+                <a:solidFill>
+                  <a:schemeClr val="accent1">
+                    <a:lumMod val="75000"/>
+                  </a:schemeClr>
+                </a:solidFill>
+                <a:latin typeface="Times New Roman" panose="02020603050405020304" pitchFamily="18" charset="0"/>
+                <a:cs typeface="Times New Roman" panose="02020603050405020304" pitchFamily="18" charset="0"/>
+              </a:rPr>
+              <a:t>System Requirements</a:t>
+            </a:r>
+          </a:p>
+          <a:p>
+            <a:pPr marL="495300" indent="-342900" algn="just">
+              <a:lnSpc>
+                <a:spcPct val="100000"/>
+              </a:lnSpc>
+              <a:spcBef>
+                <a:spcPts val="0"/>
+              </a:spcBef>
+              <a:buFont typeface="Wingdings" panose="05000000000000000000" pitchFamily="2" charset="2"/>
+              <a:buChar char="Ø"/>
+            </a:pPr>
+            <a:r>
+              <a:rPr lang="en-IN" sz="2000" b="1" dirty="0">
+                <a:solidFill>
+                  <a:schemeClr val="accent1">
+                    <a:lumMod val="75000"/>
+                  </a:schemeClr>
+                </a:solidFill>
+                <a:latin typeface="Times New Roman" panose="02020603050405020304" pitchFamily="18" charset="0"/>
+                <a:cs typeface="Times New Roman" panose="02020603050405020304" pitchFamily="18" charset="0"/>
+              </a:rPr>
+              <a:t>Advantages of Proposed System/Work</a:t>
+            </a:r>
+          </a:p>
+          <a:p>
+            <a:pPr marL="495300" indent="-342900" algn="just">
+              <a:lnSpc>
+                <a:spcPct val="100000"/>
+              </a:lnSpc>
+              <a:spcBef>
+                <a:spcPts val="0"/>
+              </a:spcBef>
+              <a:buFont typeface="Wingdings" panose="05000000000000000000" pitchFamily="2" charset="2"/>
+              <a:buChar char="Ø"/>
+            </a:pPr>
+            <a:r>
+              <a:rPr lang="en-IN" sz="2000" b="1" dirty="0">
+                <a:solidFill>
+                  <a:schemeClr val="accent1">
+                    <a:lumMod val="75000"/>
+                  </a:schemeClr>
+                </a:solidFill>
+                <a:latin typeface="Times New Roman" panose="02020603050405020304" pitchFamily="18" charset="0"/>
+                <a:cs typeface="Times New Roman" panose="02020603050405020304" pitchFamily="18" charset="0"/>
+              </a:rPr>
+              <a:t>Internship Roadmap</a:t>
+            </a:r>
+          </a:p>
+          <a:p>
+            <a:pPr marL="495300" indent="-342900" algn="just">
+              <a:lnSpc>
+                <a:spcPct val="100000"/>
+              </a:lnSpc>
+              <a:spcBef>
+                <a:spcPts val="0"/>
+              </a:spcBef>
+              <a:buFont typeface="Wingdings" panose="05000000000000000000" pitchFamily="2" charset="2"/>
+              <a:buChar char="Ø"/>
+            </a:pPr>
+            <a:r>
+              <a:rPr lang="en-IN" sz="2000" b="1" dirty="0">
+                <a:solidFill>
+                  <a:schemeClr val="accent1">
+                    <a:lumMod val="75000"/>
+                  </a:schemeClr>
+                </a:solidFill>
+                <a:latin typeface="Times New Roman" panose="02020603050405020304" pitchFamily="18" charset="0"/>
+                <a:cs typeface="Times New Roman" panose="02020603050405020304" pitchFamily="18" charset="0"/>
+              </a:rPr>
+              <a:t>Github Link</a:t>
+            </a:r>
+            <a:endParaRPr lang="en-US" sz="2000" dirty="0">
+              <a:latin typeface="Cambria" panose="02040503050406030204" pitchFamily="18" charset="0"/>
+              <a:ea typeface="Cambria" panose="02040503050406030204" pitchFamily="18" charset="0"/>
+            </a:endParaRPr>
+          </a:p>
+          <a:p>
+            <a:pPr marL="495300" lvl="0" indent="-342900" algn="just" rtl="0">
+              <a:lnSpc>
+                <a:spcPct val="100000"/>
+              </a:lnSpc>
+              <a:spcBef>
+                <a:spcPts val="0"/>
+              </a:spcBef>
+              <a:spcAft>
+                <a:spcPts val="0"/>
+              </a:spcAft>
+              <a:buClr>
+                <a:schemeClr val="dk1"/>
+              </a:buClr>
+              <a:buSzPts val="2400"/>
+              <a:buFont typeface="Wingdings" panose="05000000000000000000" pitchFamily="2" charset="2"/>
+              <a:buChar char="Ø"/>
+            </a:pPr>
+            <a:endParaRPr sz="2000" dirty="0">
+              <a:latin typeface="Cambria" panose="02040503050406030204" pitchFamily="18" charset="0"/>
+              <a:ea typeface="Cambria" panose="02040503050406030204" pitchFamily="18" charset="0"/>
+            </a:endParaRPr>
+          </a:p>
+        </p:txBody>
+      </p:sp>
+    </p:spTree>
+    <p:extLst>
+      <p:ext uri="{BB962C8B-B14F-4D97-AF65-F5344CB8AC3E}">
+        <p14:creationId xmlns:p14="http://schemas.microsoft.com/office/powerpoint/2010/main" val="1734648573"/>
+      </p:ext>
+    </p:extLst>
+  </p:cSld>
+  <p:clrMapOvr>
+    <a:masterClrMapping/>
+  </p:clrMapOvr>
+  <p:transition spd="slow">
+    <p:blinds dir="vert"/>
+  </p:transition>
+</p:sld>
+</file>
+
+<file path=ppt/slides/slide20.xml><?xml version="1.0" encoding="utf-8"?>
 <p:sld xmlns:a="http://schemas.openxmlformats.org/drawingml/2006/main" xmlns:r="http://schemas.openxmlformats.org/officeDocument/2006/relationships" xmlns:p="http://schemas.openxmlformats.org/presentationml/2006/main">
   <p:cSld>
     <p:spTree>
@@ -16437,7 +17038,7 @@
               <a:pPr>
                 <a:defRPr/>
               </a:pPr>
-              <a:t>19</a:t>
+              <a:t>20</a:t>
             </a:fld>
             <a:endParaRPr lang="en-US" altLang="en-US"/>
           </a:p>
@@ -16459,452 +17060,7 @@
 </p:sld>
 </file>
 
-<file path=ppt/slides/slide2.xml><?xml version="1.0" encoding="utf-8"?>
-<p:sld xmlns:a="http://schemas.openxmlformats.org/drawingml/2006/main" xmlns:r="http://schemas.openxmlformats.org/officeDocument/2006/relationships" xmlns:p="http://schemas.openxmlformats.org/presentationml/2006/main">
-  <p:cSld>
-    <p:spTree>
-      <p:nvGrpSpPr>
-        <p:cNvPr id="1" name="Shape 95"/>
-        <p:cNvGrpSpPr/>
-        <p:nvPr/>
-      </p:nvGrpSpPr>
-      <p:grpSpPr>
-        <a:xfrm>
-          <a:off x="0" y="0"/>
-          <a:ext cx="0" cy="0"/>
-          <a:chOff x="0" y="0"/>
-          <a:chExt cx="0" cy="0"/>
-        </a:xfrm>
-      </p:grpSpPr>
-      <p:sp>
-        <p:nvSpPr>
-          <p:cNvPr id="96" name="Google Shape;96;p14"/>
-          <p:cNvSpPr txBox="1">
-            <a:spLocks noGrp="1"/>
-          </p:cNvSpPr>
-          <p:nvPr>
-            <p:ph type="title"/>
-          </p:nvPr>
-        </p:nvSpPr>
-        <p:spPr>
-          <a:xfrm>
-            <a:off x="812800" y="274638"/>
-            <a:ext cx="10668000" cy="487500"/>
-          </a:xfrm>
-          <a:prstGeom prst="rect">
-            <a:avLst/>
-          </a:prstGeom>
-          <a:noFill/>
-          <a:ln>
-            <a:noFill/>
-          </a:ln>
-        </p:spPr>
-        <p:txBody>
-          <a:bodyPr spcFirstLastPara="1" wrap="square" lIns="91425" tIns="45700" rIns="91425" bIns="45700" anchor="ctr" anchorCtr="0">
-            <a:noAutofit/>
-          </a:bodyPr>
-          <a:lstStyle/>
-          <a:p>
-            <a:pPr marL="0" lvl="0" indent="0" algn="l" rtl="0">
-              <a:spcBef>
-                <a:spcPts val="0"/>
-              </a:spcBef>
-              <a:spcAft>
-                <a:spcPts val="0"/>
-              </a:spcAft>
-              <a:buClr>
-                <a:srgbClr val="17365D"/>
-              </a:buClr>
-              <a:buSzPts val="2800"/>
-              <a:buFont typeface="Verdana"/>
-              <a:buNone/>
-            </a:pPr>
-            <a:r>
-              <a:rPr lang="en-GB" dirty="0">
-                <a:latin typeface="Cambria" panose="02040503050406030204" pitchFamily="18" charset="0"/>
-                <a:ea typeface="Cambria" panose="02040503050406030204" pitchFamily="18" charset="0"/>
-              </a:rPr>
-              <a:t>Content</a:t>
-            </a:r>
-            <a:endParaRPr dirty="0">
-              <a:latin typeface="Cambria" panose="02040503050406030204" pitchFamily="18" charset="0"/>
-              <a:ea typeface="Cambria" panose="02040503050406030204" pitchFamily="18" charset="0"/>
-            </a:endParaRPr>
-          </a:p>
-        </p:txBody>
-      </p:sp>
-      <p:sp>
-        <p:nvSpPr>
-          <p:cNvPr id="97" name="Google Shape;97;p14"/>
-          <p:cNvSpPr txBox="1">
-            <a:spLocks noGrp="1"/>
-          </p:cNvSpPr>
-          <p:nvPr>
-            <p:ph type="body" idx="1"/>
-          </p:nvPr>
-        </p:nvSpPr>
-        <p:spPr>
-          <a:xfrm>
-            <a:off x="704516" y="902370"/>
-            <a:ext cx="10668000" cy="4271209"/>
-          </a:xfrm>
-          <a:prstGeom prst="rect">
-            <a:avLst/>
-          </a:prstGeom>
-          <a:noFill/>
-          <a:ln>
-            <a:noFill/>
-          </a:ln>
-        </p:spPr>
-        <p:txBody>
-          <a:bodyPr spcFirstLastPara="1" wrap="square" lIns="91425" tIns="45700" rIns="91425" bIns="45700" anchor="t" anchorCtr="0">
-            <a:noAutofit/>
-          </a:bodyPr>
-          <a:lstStyle/>
-          <a:p>
-            <a:pPr marL="495300" indent="-342900" algn="just">
-              <a:lnSpc>
-                <a:spcPct val="100000"/>
-              </a:lnSpc>
-              <a:spcBef>
-                <a:spcPts val="0"/>
-              </a:spcBef>
-              <a:buFont typeface="Wingdings" panose="05000000000000000000" pitchFamily="2" charset="2"/>
-              <a:buChar char="Ø"/>
-            </a:pPr>
-            <a:r>
-              <a:rPr lang="en-US" sz="2000" b="1" dirty="0">
-                <a:solidFill>
-                  <a:srgbClr val="0070C0"/>
-                </a:solidFill>
-                <a:latin typeface="Times New Roman" panose="02020603050405020304" pitchFamily="18" charset="0"/>
-                <a:cs typeface="Times New Roman" panose="02020603050405020304" pitchFamily="18" charset="0"/>
-              </a:rPr>
-              <a:t>About Company or Organization</a:t>
-            </a:r>
-          </a:p>
-          <a:p>
-            <a:pPr marL="495300" indent="-342900" algn="just">
-              <a:lnSpc>
-                <a:spcPct val="100000"/>
-              </a:lnSpc>
-              <a:spcBef>
-                <a:spcPts val="0"/>
-              </a:spcBef>
-              <a:buFont typeface="Wingdings" panose="05000000000000000000" pitchFamily="2" charset="2"/>
-              <a:buChar char="Ø"/>
-            </a:pPr>
-            <a:r>
-              <a:rPr lang="en-IN" sz="2000" b="1" dirty="0">
-                <a:solidFill>
-                  <a:schemeClr val="accent1">
-                    <a:lumMod val="75000"/>
-                  </a:schemeClr>
-                </a:solidFill>
-                <a:latin typeface="Times New Roman" panose="02020603050405020304" pitchFamily="18" charset="0"/>
-                <a:cs typeface="Times New Roman" panose="02020603050405020304" pitchFamily="18" charset="0"/>
-              </a:rPr>
-              <a:t>Working domain or the technology</a:t>
-            </a:r>
-            <a:endParaRPr lang="en-US" sz="2000" dirty="0">
-              <a:latin typeface="Cambria" panose="02040503050406030204" pitchFamily="18" charset="0"/>
-              <a:ea typeface="Cambria" panose="02040503050406030204" pitchFamily="18" charset="0"/>
-            </a:endParaRPr>
-          </a:p>
-          <a:p>
-            <a:pPr marL="495300" indent="-342900" algn="just">
-              <a:lnSpc>
-                <a:spcPct val="100000"/>
-              </a:lnSpc>
-              <a:spcBef>
-                <a:spcPts val="0"/>
-              </a:spcBef>
-              <a:buFont typeface="Wingdings" panose="05000000000000000000" pitchFamily="2" charset="2"/>
-              <a:buChar char="Ø"/>
-            </a:pPr>
-            <a:r>
-              <a:rPr lang="en-IN" sz="2000" b="1" dirty="0">
-                <a:solidFill>
-                  <a:schemeClr val="accent1">
-                    <a:lumMod val="75000"/>
-                  </a:schemeClr>
-                </a:solidFill>
-                <a:latin typeface="Times New Roman" panose="02020603050405020304" pitchFamily="18" charset="0"/>
-                <a:cs typeface="Times New Roman" panose="02020603050405020304" pitchFamily="18" charset="0"/>
-              </a:rPr>
-              <a:t>About your team and reporting Manager</a:t>
-            </a:r>
-            <a:endParaRPr lang="en-US" sz="2000" dirty="0">
-              <a:latin typeface="Cambria" panose="02040503050406030204" pitchFamily="18" charset="0"/>
-              <a:ea typeface="Cambria" panose="02040503050406030204" pitchFamily="18" charset="0"/>
-            </a:endParaRPr>
-          </a:p>
-          <a:p>
-            <a:pPr marL="495300" indent="-342900" algn="just">
-              <a:lnSpc>
-                <a:spcPct val="100000"/>
-              </a:lnSpc>
-              <a:spcBef>
-                <a:spcPts val="0"/>
-              </a:spcBef>
-              <a:buFont typeface="Wingdings" panose="05000000000000000000" pitchFamily="2" charset="2"/>
-              <a:buChar char="Ø"/>
-            </a:pPr>
-            <a:r>
-              <a:rPr lang="en-IN" sz="2000" b="1" dirty="0">
-                <a:solidFill>
-                  <a:schemeClr val="accent1">
-                    <a:lumMod val="75000"/>
-                  </a:schemeClr>
-                </a:solidFill>
-                <a:latin typeface="Times New Roman" panose="02020603050405020304" pitchFamily="18" charset="0"/>
-                <a:cs typeface="Times New Roman" panose="02020603050405020304" pitchFamily="18" charset="0"/>
-              </a:rPr>
-              <a:t>Challenges Faced in Internship</a:t>
-            </a:r>
-            <a:endParaRPr lang="en-US" sz="2000" dirty="0">
-              <a:latin typeface="Cambria" panose="02040503050406030204" pitchFamily="18" charset="0"/>
-              <a:ea typeface="Cambria" panose="02040503050406030204" pitchFamily="18" charset="0"/>
-            </a:endParaRPr>
-          </a:p>
-          <a:p>
-            <a:pPr marL="495300" indent="-342900" algn="just">
-              <a:lnSpc>
-                <a:spcPct val="100000"/>
-              </a:lnSpc>
-              <a:spcBef>
-                <a:spcPts val="0"/>
-              </a:spcBef>
-              <a:buFont typeface="Wingdings" panose="05000000000000000000" pitchFamily="2" charset="2"/>
-              <a:buChar char="Ø"/>
-            </a:pPr>
-            <a:r>
-              <a:rPr lang="en-IN" sz="2000" b="1" dirty="0">
-                <a:solidFill>
-                  <a:schemeClr val="accent1">
-                    <a:lumMod val="75000"/>
-                  </a:schemeClr>
-                </a:solidFill>
-                <a:latin typeface="Times New Roman" panose="02020603050405020304" pitchFamily="18" charset="0"/>
-                <a:cs typeface="Times New Roman" panose="02020603050405020304" pitchFamily="18" charset="0"/>
-              </a:rPr>
-              <a:t>Objectives of the work</a:t>
-            </a:r>
-          </a:p>
-          <a:p>
-            <a:pPr marL="495300" indent="-342900" algn="just">
-              <a:lnSpc>
-                <a:spcPct val="100000"/>
-              </a:lnSpc>
-              <a:spcBef>
-                <a:spcPts val="0"/>
-              </a:spcBef>
-              <a:buFont typeface="Wingdings" panose="05000000000000000000" pitchFamily="2" charset="2"/>
-              <a:buChar char="Ø"/>
-            </a:pPr>
-            <a:r>
-              <a:rPr lang="en-IN" sz="2000" b="1" dirty="0">
-                <a:solidFill>
-                  <a:schemeClr val="accent1">
-                    <a:lumMod val="75000"/>
-                  </a:schemeClr>
-                </a:solidFill>
-                <a:latin typeface="Times New Roman" panose="02020603050405020304" pitchFamily="18" charset="0"/>
-                <a:cs typeface="Times New Roman" panose="02020603050405020304" pitchFamily="18" charset="0"/>
-              </a:rPr>
-              <a:t>Literature Review</a:t>
-            </a:r>
-          </a:p>
-          <a:p>
-            <a:pPr marL="495300" indent="-342900" algn="just">
-              <a:lnSpc>
-                <a:spcPct val="100000"/>
-              </a:lnSpc>
-              <a:spcBef>
-                <a:spcPts val="0"/>
-              </a:spcBef>
-              <a:buFont typeface="Wingdings" panose="05000000000000000000" pitchFamily="2" charset="2"/>
-              <a:buChar char="Ø"/>
-            </a:pPr>
-            <a:r>
-              <a:rPr lang="en-IN" sz="2000" b="1" dirty="0">
-                <a:solidFill>
-                  <a:schemeClr val="accent1">
-                    <a:lumMod val="75000"/>
-                  </a:schemeClr>
-                </a:solidFill>
-                <a:latin typeface="Times New Roman" panose="02020603050405020304" pitchFamily="18" charset="0"/>
-                <a:cs typeface="Times New Roman" panose="02020603050405020304" pitchFamily="18" charset="0"/>
-              </a:rPr>
-              <a:t>Proposed System</a:t>
-            </a:r>
-          </a:p>
-          <a:p>
-            <a:pPr marL="495300" indent="-342900" algn="just">
-              <a:lnSpc>
-                <a:spcPct val="100000"/>
-              </a:lnSpc>
-              <a:spcBef>
-                <a:spcPts val="0"/>
-              </a:spcBef>
-              <a:buFont typeface="Wingdings" panose="05000000000000000000" pitchFamily="2" charset="2"/>
-              <a:buChar char="Ø"/>
-            </a:pPr>
-            <a:r>
-              <a:rPr lang="en-IN" sz="2000" b="1" dirty="0">
-                <a:solidFill>
-                  <a:schemeClr val="accent1">
-                    <a:lumMod val="75000"/>
-                  </a:schemeClr>
-                </a:solidFill>
-                <a:latin typeface="Times New Roman" panose="02020603050405020304" pitchFamily="18" charset="0"/>
-                <a:cs typeface="Times New Roman" panose="02020603050405020304" pitchFamily="18" charset="0"/>
-              </a:rPr>
-              <a:t>Problem Statement</a:t>
-            </a:r>
-          </a:p>
-          <a:p>
-            <a:pPr marL="495300" indent="-342900" algn="just">
-              <a:lnSpc>
-                <a:spcPct val="100000"/>
-              </a:lnSpc>
-              <a:spcBef>
-                <a:spcPts val="0"/>
-              </a:spcBef>
-              <a:buFont typeface="Wingdings" panose="05000000000000000000" pitchFamily="2" charset="2"/>
-              <a:buChar char="Ø"/>
-            </a:pPr>
-            <a:r>
-              <a:rPr lang="en-IN" sz="2000" b="1" dirty="0">
-                <a:solidFill>
-                  <a:schemeClr val="accent1">
-                    <a:lumMod val="75000"/>
-                  </a:schemeClr>
-                </a:solidFill>
-                <a:latin typeface="Times New Roman" panose="02020603050405020304" pitchFamily="18" charset="0"/>
-                <a:cs typeface="Times New Roman" panose="02020603050405020304" pitchFamily="18" charset="0"/>
-              </a:rPr>
-              <a:t>System Requirements</a:t>
-            </a:r>
-          </a:p>
-          <a:p>
-            <a:pPr marL="495300" indent="-342900" algn="just">
-              <a:lnSpc>
-                <a:spcPct val="100000"/>
-              </a:lnSpc>
-              <a:spcBef>
-                <a:spcPts val="0"/>
-              </a:spcBef>
-              <a:buFont typeface="Wingdings" panose="05000000000000000000" pitchFamily="2" charset="2"/>
-              <a:buChar char="Ø"/>
-            </a:pPr>
-            <a:r>
-              <a:rPr lang="en-IN" sz="2000" b="1" dirty="0">
-                <a:solidFill>
-                  <a:schemeClr val="accent1">
-                    <a:lumMod val="75000"/>
-                  </a:schemeClr>
-                </a:solidFill>
-                <a:latin typeface="Times New Roman" panose="02020603050405020304" pitchFamily="18" charset="0"/>
-                <a:cs typeface="Times New Roman" panose="02020603050405020304" pitchFamily="18" charset="0"/>
-              </a:rPr>
-              <a:t>Advantages of Proposed System/Work</a:t>
-            </a:r>
-          </a:p>
-          <a:p>
-            <a:pPr marL="495300" indent="-342900" algn="just">
-              <a:lnSpc>
-                <a:spcPct val="100000"/>
-              </a:lnSpc>
-              <a:spcBef>
-                <a:spcPts val="0"/>
-              </a:spcBef>
-              <a:buFont typeface="Wingdings" panose="05000000000000000000" pitchFamily="2" charset="2"/>
-              <a:buChar char="Ø"/>
-            </a:pPr>
-            <a:r>
-              <a:rPr lang="en-IN" sz="2000" b="1" dirty="0">
-                <a:solidFill>
-                  <a:schemeClr val="accent1">
-                    <a:lumMod val="75000"/>
-                  </a:schemeClr>
-                </a:solidFill>
-                <a:latin typeface="Times New Roman" panose="02020603050405020304" pitchFamily="18" charset="0"/>
-                <a:cs typeface="Times New Roman" panose="02020603050405020304" pitchFamily="18" charset="0"/>
-              </a:rPr>
-              <a:t>Internship Roadmap</a:t>
-            </a:r>
-          </a:p>
-          <a:p>
-            <a:pPr marL="495300" indent="-342900" algn="just">
-              <a:lnSpc>
-                <a:spcPct val="100000"/>
-              </a:lnSpc>
-              <a:spcBef>
-                <a:spcPts val="0"/>
-              </a:spcBef>
-              <a:buFont typeface="Wingdings" panose="05000000000000000000" pitchFamily="2" charset="2"/>
-              <a:buChar char="Ø"/>
-            </a:pPr>
-            <a:r>
-              <a:rPr lang="en-IN" sz="2000" b="1" dirty="0">
-                <a:solidFill>
-                  <a:schemeClr val="accent1">
-                    <a:lumMod val="75000"/>
-                  </a:schemeClr>
-                </a:solidFill>
-                <a:latin typeface="Times New Roman" panose="02020603050405020304" pitchFamily="18" charset="0"/>
-                <a:cs typeface="Times New Roman" panose="02020603050405020304" pitchFamily="18" charset="0"/>
-              </a:rPr>
-              <a:t>Github Link</a:t>
-            </a:r>
-            <a:endParaRPr lang="en-US" sz="2000" dirty="0">
-              <a:latin typeface="Cambria" panose="02040503050406030204" pitchFamily="18" charset="0"/>
-              <a:ea typeface="Cambria" panose="02040503050406030204" pitchFamily="18" charset="0"/>
-            </a:endParaRPr>
-          </a:p>
-          <a:p>
-            <a:pPr marL="495300" lvl="0" indent="-342900" algn="just" rtl="0">
-              <a:lnSpc>
-                <a:spcPct val="100000"/>
-              </a:lnSpc>
-              <a:spcBef>
-                <a:spcPts val="0"/>
-              </a:spcBef>
-              <a:spcAft>
-                <a:spcPts val="0"/>
-              </a:spcAft>
-              <a:buClr>
-                <a:schemeClr val="dk1"/>
-              </a:buClr>
-              <a:buSzPts val="2400"/>
-              <a:buFont typeface="Wingdings" panose="05000000000000000000" pitchFamily="2" charset="2"/>
-              <a:buChar char="Ø"/>
-            </a:pPr>
-            <a:endParaRPr sz="2000" dirty="0">
-              <a:latin typeface="Cambria" panose="02040503050406030204" pitchFamily="18" charset="0"/>
-              <a:ea typeface="Cambria" panose="02040503050406030204" pitchFamily="18" charset="0"/>
-            </a:endParaRPr>
-          </a:p>
-        </p:txBody>
-      </p:sp>
-    </p:spTree>
-    <p:extLst>
-      <p:ext uri="{BB962C8B-B14F-4D97-AF65-F5344CB8AC3E}">
-        <p14:creationId xmlns:p14="http://schemas.microsoft.com/office/powerpoint/2010/main" val="1734648573"/>
-      </p:ext>
-    </p:extLst>
-  </p:cSld>
-  <p:clrMapOvr>
-    <a:masterClrMapping/>
-  </p:clrMapOvr>
-  <p:transition spd="slow">
-    <p:blinds dir="vert"/>
-  </p:transition>
-</p:sld>
-</file>
-
-<file path=ppt/slides/slide20.xml><?xml version="1.0" encoding="utf-8"?>
+<file path=ppt/slides/slide21.xml><?xml version="1.0" encoding="utf-8"?>
 <p:sld xmlns:a="http://schemas.openxmlformats.org/drawingml/2006/main" xmlns:r="http://schemas.openxmlformats.org/officeDocument/2006/relationships" xmlns:p="http://schemas.openxmlformats.org/presentationml/2006/main">
   <p:cSld>
     <p:spTree>
@@ -17025,7 +17181,7 @@
               <a:pPr>
                 <a:defRPr/>
               </a:pPr>
-              <a:t>20</a:t>
+              <a:t>21</a:t>
             </a:fld>
             <a:endParaRPr lang="en-US" altLang="en-US">
               <a:latin typeface="Times New Roman" panose="02020603050405020304" pitchFamily="18" charset="0"/>
@@ -17104,7 +17260,7 @@
 </p:sld>
 </file>
 
-<file path=ppt/slides/slide21.xml><?xml version="1.0" encoding="utf-8"?>
+<file path=ppt/slides/slide22.xml><?xml version="1.0" encoding="utf-8"?>
 <p:sld xmlns:a="http://schemas.openxmlformats.org/drawingml/2006/main" xmlns:r="http://schemas.openxmlformats.org/officeDocument/2006/relationships" xmlns:p="http://schemas.openxmlformats.org/presentationml/2006/main">
   <p:cSld>
     <p:spTree>
@@ -17180,7 +17336,7 @@
               <a:pPr>
                 <a:defRPr/>
               </a:pPr>
-              <a:t>21</a:t>
+              <a:t>22</a:t>
             </a:fld>
             <a:endParaRPr lang="en-US" altLang="en-US"/>
           </a:p>
